--- a/tugas kelompok p3/Pemrograman 3.pptx
+++ b/tugas kelompok p3/Pemrograman 3.pptx
@@ -10,13 +10,11 @@
     <p:sldId id="258" r:id="rId4"/>
     <p:sldId id="259" r:id="rId5"/>
     <p:sldId id="260" r:id="rId6"/>
-    <p:sldId id="261" r:id="rId7"/>
-    <p:sldId id="262" r:id="rId8"/>
-    <p:sldId id="263" r:id="rId9"/>
-    <p:sldId id="264" r:id="rId10"/>
-    <p:sldId id="265" r:id="rId11"/>
-    <p:sldId id="266" r:id="rId12"/>
-    <p:sldId id="267" r:id="rId13"/>
+    <p:sldId id="262" r:id="rId7"/>
+    <p:sldId id="265" r:id="rId8"/>
+    <p:sldId id="268" r:id="rId9"/>
+    <p:sldId id="266" r:id="rId10"/>
+    <p:sldId id="267" r:id="rId11"/>
   </p:sldIdLst>
   <p:sldSz cx="9144000" cy="6858000" type="screen4x3"/>
   <p:notesSz cx="6858000" cy="9144000"/>
@@ -337,7 +335,8 @@
           <a:p>
             <a:fld id="{693CEC65-756F-4FD7-83C4-556B05955CBB}" type="datetimeFigureOut">
               <a:rPr lang="en-US" smtClean="0"/>
-              <a:t>12/2/2012</a:t>
+              <a:pPr/>
+              <a:t>12/7/2012</a:t>
             </a:fld>
             <a:endParaRPr lang="en-US"/>
           </a:p>
@@ -401,6 +400,7 @@
           <a:p>
             <a:fld id="{D24E1A83-BD92-43EA-9FB2-DDF5539B21E8}" type="slidenum">
               <a:rPr lang="en-US" smtClean="0"/>
+              <a:pPr/>
               <a:t>‹#›</a:t>
             </a:fld>
             <a:endParaRPr lang="en-US"/>
@@ -524,7 +524,8 @@
           <a:p>
             <a:fld id="{693CEC65-756F-4FD7-83C4-556B05955CBB}" type="datetimeFigureOut">
               <a:rPr lang="en-US" smtClean="0"/>
-              <a:t>12/2/2012</a:t>
+              <a:pPr/>
+              <a:t>12/7/2012</a:t>
             </a:fld>
             <a:endParaRPr lang="en-US"/>
           </a:p>
@@ -566,6 +567,7 @@
           <a:p>
             <a:fld id="{D24E1A83-BD92-43EA-9FB2-DDF5539B21E8}" type="slidenum">
               <a:rPr lang="en-US" smtClean="0"/>
+              <a:pPr/>
               <a:t>‹#›</a:t>
             </a:fld>
             <a:endParaRPr lang="en-US"/>
@@ -699,7 +701,8 @@
           <a:p>
             <a:fld id="{693CEC65-756F-4FD7-83C4-556B05955CBB}" type="datetimeFigureOut">
               <a:rPr lang="en-US" smtClean="0"/>
-              <a:t>12/2/2012</a:t>
+              <a:pPr/>
+              <a:t>12/7/2012</a:t>
             </a:fld>
             <a:endParaRPr lang="en-US"/>
           </a:p>
@@ -741,6 +744,7 @@
           <a:p>
             <a:fld id="{D24E1A83-BD92-43EA-9FB2-DDF5539B21E8}" type="slidenum">
               <a:rPr lang="en-US" smtClean="0"/>
+              <a:pPr/>
               <a:t>‹#›</a:t>
             </a:fld>
             <a:endParaRPr lang="en-US"/>
@@ -879,7 +883,8 @@
           <a:p>
             <a:fld id="{693CEC65-756F-4FD7-83C4-556B05955CBB}" type="datetimeFigureOut">
               <a:rPr lang="en-US" smtClean="0"/>
-              <a:t>12/2/2012</a:t>
+              <a:pPr/>
+              <a:t>12/7/2012</a:t>
             </a:fld>
             <a:endParaRPr lang="en-US"/>
           </a:p>
@@ -926,6 +931,7 @@
           <a:p>
             <a:fld id="{D24E1A83-BD92-43EA-9FB2-DDF5539B21E8}" type="slidenum">
               <a:rPr lang="en-US" smtClean="0"/>
+              <a:pPr/>
               <a:t>‹#›</a:t>
             </a:fld>
             <a:endParaRPr lang="en-US"/>
@@ -1126,7 +1132,8 @@
           <a:p>
             <a:fld id="{693CEC65-756F-4FD7-83C4-556B05955CBB}" type="datetimeFigureOut">
               <a:rPr lang="en-US" smtClean="0"/>
-              <a:t>12/2/2012</a:t>
+              <a:pPr/>
+              <a:t>12/7/2012</a:t>
             </a:fld>
             <a:endParaRPr lang="en-US"/>
           </a:p>
@@ -1178,6 +1185,7 @@
           <a:p>
             <a:fld id="{D24E1A83-BD92-43EA-9FB2-DDF5539B21E8}" type="slidenum">
               <a:rPr lang="en-US" smtClean="0"/>
+              <a:pPr/>
               <a:t>‹#›</a:t>
             </a:fld>
             <a:endParaRPr lang="en-US"/>
@@ -1600,7 +1608,8 @@
           <a:p>
             <a:fld id="{693CEC65-756F-4FD7-83C4-556B05955CBB}" type="datetimeFigureOut">
               <a:rPr lang="en-US" smtClean="0"/>
-              <a:t>12/2/2012</a:t>
+              <a:pPr/>
+              <a:t>12/7/2012</a:t>
             </a:fld>
             <a:endParaRPr lang="en-US"/>
           </a:p>
@@ -1652,6 +1661,7 @@
           <a:p>
             <a:fld id="{D24E1A83-BD92-43EA-9FB2-DDF5539B21E8}" type="slidenum">
               <a:rPr lang="en-US" smtClean="0"/>
+              <a:pPr/>
               <a:t>‹#›</a:t>
             </a:fld>
             <a:endParaRPr lang="en-US"/>
@@ -2015,7 +2025,8 @@
           <a:p>
             <a:fld id="{693CEC65-756F-4FD7-83C4-556B05955CBB}" type="datetimeFigureOut">
               <a:rPr lang="en-US" smtClean="0"/>
-              <a:t>12/2/2012</a:t>
+              <a:pPr/>
+              <a:t>12/7/2012</a:t>
             </a:fld>
             <a:endParaRPr lang="en-US"/>
           </a:p>
@@ -2071,6 +2082,7 @@
           <a:p>
             <a:fld id="{D24E1A83-BD92-43EA-9FB2-DDF5539B21E8}" type="slidenum">
               <a:rPr lang="en-US" smtClean="0"/>
+              <a:pPr/>
               <a:t>‹#›</a:t>
             </a:fld>
             <a:endParaRPr lang="en-US"/>
@@ -2146,7 +2158,8 @@
           <a:p>
             <a:fld id="{693CEC65-756F-4FD7-83C4-556B05955CBB}" type="datetimeFigureOut">
               <a:rPr lang="en-US" smtClean="0"/>
-              <a:t>12/2/2012</a:t>
+              <a:pPr/>
+              <a:t>12/7/2012</a:t>
             </a:fld>
             <a:endParaRPr lang="en-US"/>
           </a:p>
@@ -2188,6 +2201,7 @@
           <a:p>
             <a:fld id="{D24E1A83-BD92-43EA-9FB2-DDF5539B21E8}" type="slidenum">
               <a:rPr lang="en-US" smtClean="0"/>
+              <a:pPr/>
               <a:t>‹#›</a:t>
             </a:fld>
             <a:endParaRPr lang="en-US"/>
@@ -2241,7 +2255,8 @@
           <a:p>
             <a:fld id="{693CEC65-756F-4FD7-83C4-556B05955CBB}" type="datetimeFigureOut">
               <a:rPr lang="en-US" smtClean="0"/>
-              <a:t>12/2/2012</a:t>
+              <a:pPr/>
+              <a:t>12/7/2012</a:t>
             </a:fld>
             <a:endParaRPr lang="en-US"/>
           </a:p>
@@ -2293,6 +2308,7 @@
           <a:p>
             <a:fld id="{D24E1A83-BD92-43EA-9FB2-DDF5539B21E8}" type="slidenum">
               <a:rPr lang="en-US" smtClean="0"/>
+              <a:pPr/>
               <a:t>‹#›</a:t>
             </a:fld>
             <a:endParaRPr lang="en-US"/>
@@ -2519,7 +2535,8 @@
           <a:p>
             <a:fld id="{693CEC65-756F-4FD7-83C4-556B05955CBB}" type="datetimeFigureOut">
               <a:rPr lang="en-US" smtClean="0"/>
-              <a:t>12/2/2012</a:t>
+              <a:pPr/>
+              <a:t>12/7/2012</a:t>
             </a:fld>
             <a:endParaRPr lang="en-US"/>
           </a:p>
@@ -2579,6 +2596,7 @@
           <a:p>
             <a:fld id="{D24E1A83-BD92-43EA-9FB2-DDF5539B21E8}" type="slidenum">
               <a:rPr lang="en-US" smtClean="0"/>
+              <a:pPr/>
               <a:t>‹#›</a:t>
             </a:fld>
             <a:endParaRPr lang="en-US"/>
@@ -2771,7 +2789,8 @@
           <a:p>
             <a:fld id="{693CEC65-756F-4FD7-83C4-556B05955CBB}" type="datetimeFigureOut">
               <a:rPr lang="en-US" smtClean="0"/>
-              <a:t>12/2/2012</a:t>
+              <a:pPr/>
+              <a:t>12/7/2012</a:t>
             </a:fld>
             <a:endParaRPr lang="en-US"/>
           </a:p>
@@ -2831,6 +2850,7 @@
           <a:p>
             <a:fld id="{D24E1A83-BD92-43EA-9FB2-DDF5539B21E8}" type="slidenum">
               <a:rPr lang="en-US" smtClean="0"/>
+              <a:pPr/>
               <a:t>‹#›</a:t>
             </a:fld>
             <a:endParaRPr lang="en-US"/>
@@ -3143,7 +3163,8 @@
           <a:p>
             <a:fld id="{693CEC65-756F-4FD7-83C4-556B05955CBB}" type="datetimeFigureOut">
               <a:rPr lang="en-US" smtClean="0"/>
-              <a:t>12/2/2012</a:t>
+              <a:pPr/>
+              <a:t>12/7/2012</a:t>
             </a:fld>
             <a:endParaRPr lang="en-US"/>
           </a:p>
@@ -3217,6 +3238,7 @@
           <a:p>
             <a:fld id="{D24E1A83-BD92-43EA-9FB2-DDF5539B21E8}" type="slidenum">
               <a:rPr lang="en-US" smtClean="0"/>
+              <a:pPr/>
               <a:t>‹#›</a:t>
             </a:fld>
             <a:endParaRPr lang="en-US"/>
@@ -3730,189 +3752,6 @@
             <a:spLocks noGrp="1"/>
           </p:cNvSpPr>
           <p:nvPr>
-            <p:ph type="title"/>
-          </p:nvPr>
-        </p:nvSpPr>
-        <p:spPr>
-          <a:xfrm>
-            <a:off x="457200" y="267494"/>
-            <a:ext cx="8229600" cy="951706"/>
-          </a:xfrm>
-        </p:spPr>
-        <p:txBody>
-          <a:bodyPr/>
-          <a:lstStyle/>
-          <a:p>
-            <a:r>
-              <a:rPr lang="en-US" dirty="0" smtClean="0"/>
-              <a:t>Form edit </a:t>
-            </a:r>
-            <a:r>
-              <a:rPr lang="en-US" dirty="0" err="1" smtClean="0"/>
-              <a:t>peserta</a:t>
-            </a:r>
-            <a:endParaRPr lang="en-US" dirty="0"/>
-          </a:p>
-        </p:txBody>
-      </p:sp>
-      <p:pic>
-        <p:nvPicPr>
-          <p:cNvPr id="7170" name="Picture 2" descr="H:\pemrog3\edit peserta.png"/>
-          <p:cNvPicPr>
-            <a:picLocks noGrp="1" noChangeAspect="1" noChangeArrowheads="1"/>
-          </p:cNvPicPr>
-          <p:nvPr>
-            <p:ph idx="1"/>
-          </p:nvPr>
-        </p:nvPicPr>
-        <p:blipFill>
-          <a:blip r:embed="rId2"/>
-          <a:srcRect l="10000" t="5486" r="46250" b="34514"/>
-          <a:stretch>
-            <a:fillRect/>
-          </a:stretch>
-        </p:blipFill>
-        <p:spPr bwMode="auto">
-          <a:xfrm>
-            <a:off x="1905000" y="1143000"/>
-            <a:ext cx="5334000" cy="5486400"/>
-          </a:xfrm>
-          <a:prstGeom prst="rect">
-            <a:avLst/>
-          </a:prstGeom>
-          <a:noFill/>
-        </p:spPr>
-      </p:pic>
-    </p:spTree>
-  </p:cSld>
-  <p:clrMapOvr>
-    <a:masterClrMapping/>
-  </p:clrMapOvr>
-  <p:timing>
-    <p:tnLst>
-      <p:par>
-        <p:cTn id="1" dur="indefinite" restart="never" nodeType="tmRoot"/>
-      </p:par>
-    </p:tnLst>
-  </p:timing>
-</p:sld>
-</file>
-
-<file path=ppt/slides/slide11.xml><?xml version="1.0" encoding="utf-8"?>
-<p:sld xmlns:a="http://schemas.openxmlformats.org/drawingml/2006/main" xmlns:r="http://schemas.openxmlformats.org/officeDocument/2006/relationships" xmlns:p="http://schemas.openxmlformats.org/presentationml/2006/main">
-  <p:cSld>
-    <p:spTree>
-      <p:nvGrpSpPr>
-        <p:cNvPr id="1" name=""/>
-        <p:cNvGrpSpPr/>
-        <p:nvPr/>
-      </p:nvGrpSpPr>
-      <p:grpSpPr>
-        <a:xfrm>
-          <a:off x="0" y="0"/>
-          <a:ext cx="0" cy="0"/>
-          <a:chOff x="0" y="0"/>
-          <a:chExt cx="0" cy="0"/>
-        </a:xfrm>
-      </p:grpSpPr>
-      <p:sp>
-        <p:nvSpPr>
-          <p:cNvPr id="2" name="Title 1"/>
-          <p:cNvSpPr>
-            <a:spLocks noGrp="1"/>
-          </p:cNvSpPr>
-          <p:nvPr>
-            <p:ph type="title"/>
-          </p:nvPr>
-        </p:nvSpPr>
-        <p:spPr/>
-        <p:txBody>
-          <a:bodyPr/>
-          <a:lstStyle/>
-          <a:p>
-            <a:r>
-              <a:rPr lang="en-US" dirty="0" err="1" smtClean="0"/>
-              <a:t>Tabel</a:t>
-            </a:r>
-            <a:r>
-              <a:rPr lang="en-US" dirty="0" smtClean="0"/>
-              <a:t> </a:t>
-            </a:r>
-            <a:r>
-              <a:rPr lang="en-US" dirty="0" err="1" smtClean="0"/>
-              <a:t>peserta</a:t>
-            </a:r>
-            <a:endParaRPr lang="en-US" dirty="0"/>
-          </a:p>
-        </p:txBody>
-      </p:sp>
-      <p:pic>
-        <p:nvPicPr>
-          <p:cNvPr id="8194" name="Picture 2" descr="H:\pemrog3\tabel_peserta.png"/>
-          <p:cNvPicPr>
-            <a:picLocks noGrp="1" noChangeAspect="1" noChangeArrowheads="1"/>
-          </p:cNvPicPr>
-          <p:nvPr>
-            <p:ph idx="1"/>
-          </p:nvPr>
-        </p:nvPicPr>
-        <p:blipFill>
-          <a:blip r:embed="rId2"/>
-          <a:srcRect l="6250" t="2153" r="17500" b="46181"/>
-          <a:stretch>
-            <a:fillRect/>
-          </a:stretch>
-        </p:blipFill>
-        <p:spPr bwMode="auto">
-          <a:xfrm>
-            <a:off x="381000" y="1905000"/>
-            <a:ext cx="8396749" cy="4267200"/>
-          </a:xfrm>
-          <a:prstGeom prst="rect">
-            <a:avLst/>
-          </a:prstGeom>
-          <a:noFill/>
-        </p:spPr>
-      </p:pic>
-    </p:spTree>
-  </p:cSld>
-  <p:clrMapOvr>
-    <a:masterClrMapping/>
-  </p:clrMapOvr>
-  <p:timing>
-    <p:tnLst>
-      <p:par>
-        <p:cTn id="1" dur="indefinite" restart="never" nodeType="tmRoot"/>
-      </p:par>
-    </p:tnLst>
-  </p:timing>
-</p:sld>
-</file>
-
-<file path=ppt/slides/slide12.xml><?xml version="1.0" encoding="utf-8"?>
-<p:sld xmlns:a="http://schemas.openxmlformats.org/drawingml/2006/main" xmlns:r="http://schemas.openxmlformats.org/officeDocument/2006/relationships" xmlns:p="http://schemas.openxmlformats.org/presentationml/2006/main">
-  <p:cSld>
-    <p:spTree>
-      <p:nvGrpSpPr>
-        <p:cNvPr id="1" name=""/>
-        <p:cNvGrpSpPr/>
-        <p:nvPr/>
-      </p:nvGrpSpPr>
-      <p:grpSpPr>
-        <a:xfrm>
-          <a:off x="0" y="0"/>
-          <a:ext cx="0" cy="0"/>
-          <a:chOff x="0" y="0"/>
-          <a:chExt cx="0" cy="0"/>
-        </a:xfrm>
-      </p:grpSpPr>
-      <p:sp>
-        <p:nvSpPr>
-          <p:cNvPr id="2" name="Title 1"/>
-          <p:cNvSpPr>
-            <a:spLocks noGrp="1"/>
-          </p:cNvSpPr>
-          <p:nvPr>
             <p:ph type="ctrTitle"/>
           </p:nvPr>
         </p:nvSpPr>
@@ -4114,7 +3953,7 @@
       </p:sp>
       <p:pic>
         <p:nvPicPr>
-          <p:cNvPr id="4" name="Picture 2"/>
+          <p:cNvPr id="1026" name="Picture 2"/>
           <p:cNvPicPr>
             <a:picLocks noChangeAspect="1" noChangeArrowheads="1"/>
           </p:cNvPicPr>
@@ -4122,15 +3961,15 @@
         </p:nvPicPr>
         <p:blipFill>
           <a:blip r:embed="rId2"/>
-          <a:srcRect l="16250" t="16260" r="53750" b="56098"/>
+          <a:srcRect l="15625" t="8333" r="53750" b="56250"/>
           <a:stretch>
             <a:fillRect/>
           </a:stretch>
         </p:blipFill>
         <p:spPr bwMode="auto">
           <a:xfrm>
-            <a:off x="228600" y="3276600"/>
-            <a:ext cx="6096000" cy="3238500"/>
+            <a:off x="457200" y="3200400"/>
+            <a:ext cx="4191000" cy="2908041"/>
           </a:xfrm>
           <a:prstGeom prst="rect">
             <a:avLst/>
@@ -4262,7 +4101,7 @@
         </p:nvPicPr>
         <p:blipFill>
           <a:blip r:embed="rId2"/>
-          <a:srcRect l="15625" t="16260" r="53750" b="68564"/>
+          <a:srcRect l="15625" t="16260" r="53750" b="71455"/>
           <a:stretch>
             <a:fillRect/>
           </a:stretch>
@@ -4270,7 +4109,7 @@
         <p:spPr bwMode="auto">
           <a:xfrm>
             <a:off x="457200" y="609600"/>
-            <a:ext cx="5600700" cy="1600200"/>
+            <a:ext cx="6918512" cy="1600200"/>
           </a:xfrm>
           <a:prstGeom prst="rect">
             <a:avLst/>
@@ -4287,7 +4126,7 @@
       </p:pic>
       <p:pic>
         <p:nvPicPr>
-          <p:cNvPr id="1028" name="Picture 4"/>
+          <p:cNvPr id="2050" name="Picture 2"/>
           <p:cNvPicPr>
             <a:picLocks noChangeAspect="1" noChangeArrowheads="1"/>
           </p:cNvPicPr>
@@ -4295,15 +4134,15 @@
         </p:nvPicPr>
         <p:blipFill>
           <a:blip r:embed="rId3"/>
-          <a:srcRect l="16250" t="16260" r="53750" b="66396"/>
+          <a:srcRect l="16875" t="17708" r="63750" b="64584"/>
           <a:stretch>
             <a:fillRect/>
           </a:stretch>
         </p:blipFill>
         <p:spPr bwMode="auto">
           <a:xfrm>
-            <a:off x="533400" y="3429000"/>
-            <a:ext cx="5486400" cy="1828800"/>
+            <a:off x="457200" y="3352800"/>
+            <a:ext cx="5002306" cy="2743200"/>
           </a:xfrm>
           <a:prstGeom prst="rect">
             <a:avLst/>
@@ -4378,27 +4217,44 @@
           </a:p>
         </p:txBody>
       </p:sp>
+      <p:sp>
+        <p:nvSpPr>
+          <p:cNvPr id="4" name="Content Placeholder 3"/>
+          <p:cNvSpPr>
+            <a:spLocks noGrp="1"/>
+          </p:cNvSpPr>
+          <p:nvPr>
+            <p:ph idx="1"/>
+          </p:nvPr>
+        </p:nvSpPr>
+        <p:spPr/>
+        <p:txBody>
+          <a:bodyPr/>
+          <a:lstStyle/>
+          <a:p>
+            <a:endParaRPr lang="en-US" dirty="0"/>
+          </a:p>
+        </p:txBody>
+      </p:sp>
       <p:pic>
         <p:nvPicPr>
-          <p:cNvPr id="2050" name="Picture 2"/>
+          <p:cNvPr id="3074" name="Picture 2"/>
           <p:cNvPicPr>
-            <a:picLocks noGrp="1" noChangeAspect="1" noChangeArrowheads="1"/>
+            <a:picLocks noChangeAspect="1" noChangeArrowheads="1"/>
           </p:cNvPicPr>
-          <p:nvPr>
-            <p:ph idx="1"/>
-          </p:nvPr>
+          <p:nvPr/>
         </p:nvPicPr>
         <p:blipFill>
           <a:blip r:embed="rId2"/>
-          <a:srcRect l="15833" t="13143" r="39167" b="40605"/>
+          <a:srcRect l="16250" t="12500" r="39375" b="40625"/>
           <a:stretch>
             <a:fillRect/>
           </a:stretch>
         </p:blipFill>
         <p:spPr bwMode="auto">
           <a:xfrm>
-            <a:off x="457200" y="1371600"/>
-            <a:ext cx="8382000" cy="4967111"/>
+            <a:off x="457200" y="1219200"/>
+            <a:ext cx="8415866" cy="5334000"/>
           </a:xfrm>
           <a:prstGeom prst="rect">
             <a:avLst/>
@@ -4821,16 +4677,8 @@
           <a:lstStyle/>
           <a:p>
             <a:r>
-              <a:rPr lang="en-US" dirty="0" err="1" smtClean="0"/>
-              <a:t>Tampilan</a:t>
-            </a:r>
-            <a:r>
               <a:rPr lang="en-US" dirty="0" smtClean="0"/>
-              <a:t> </a:t>
-            </a:r>
-            <a:r>
-              <a:rPr lang="en-US" dirty="0" err="1" smtClean="0"/>
-              <a:t>login,register</a:t>
+              <a:t>Form login</a:t>
             </a:r>
             <a:endParaRPr lang="en-US" dirty="0"/>
           </a:p>
@@ -4838,7 +4686,7 @@
       </p:sp>
       <p:pic>
         <p:nvPicPr>
-          <p:cNvPr id="3074" name="Picture 2" descr="H:\pemrog3\login, register.png"/>
+          <p:cNvPr id="7170" name="Picture 2"/>
           <p:cNvPicPr>
             <a:picLocks noGrp="1" noChangeAspect="1" noChangeArrowheads="1"/>
           </p:cNvPicPr>
@@ -4848,20 +4696,27 @@
         </p:nvPicPr>
         <p:blipFill>
           <a:blip r:embed="rId2"/>
-          <a:srcRect l="11250" t="3333" r="45000" b="50000"/>
+          <a:srcRect l="20180" t="19434" r="48109" b="46667"/>
           <a:stretch>
             <a:fillRect/>
           </a:stretch>
         </p:blipFill>
         <p:spPr bwMode="auto">
           <a:xfrm>
-            <a:off x="2133600" y="1524000"/>
-            <a:ext cx="4953000" cy="3962400"/>
+            <a:off x="1143000" y="1524000"/>
+            <a:ext cx="6057900" cy="3733800"/>
           </a:xfrm>
           <a:prstGeom prst="rect">
             <a:avLst/>
           </a:prstGeom>
           <a:noFill/>
+          <a:ln w="9525">
+            <a:noFill/>
+            <a:miter lim="800000"/>
+            <a:headEnd/>
+            <a:tailEnd/>
+          </a:ln>
+          <a:effectLst/>
         </p:spPr>
       </p:pic>
     </p:spTree>
@@ -4908,8 +4763,8 @@
         </p:nvSpPr>
         <p:spPr>
           <a:xfrm>
-            <a:off x="0" y="0"/>
-            <a:ext cx="9144000" cy="914400"/>
+            <a:off x="457200" y="267494"/>
+            <a:ext cx="8229600" cy="951706"/>
           </a:xfrm>
         </p:spPr>
         <p:txBody>
@@ -4918,7 +4773,11 @@
           <a:p>
             <a:r>
               <a:rPr lang="en-US" dirty="0" smtClean="0"/>
-              <a:t>Form login</a:t>
+              <a:t>Form edit </a:t>
+            </a:r>
+            <a:r>
+              <a:rPr lang="en-US" dirty="0" err="1" smtClean="0"/>
+              <a:t>peserta</a:t>
             </a:r>
             <a:endParaRPr lang="en-US" dirty="0"/>
           </a:p>
@@ -4926,7 +4785,7 @@
       </p:sp>
       <p:pic>
         <p:nvPicPr>
-          <p:cNvPr id="4098" name="Picture 2" descr="H:\pemrog3\form login.png"/>
+          <p:cNvPr id="4098" name="Picture 2"/>
           <p:cNvPicPr>
             <a:picLocks noGrp="1" noChangeAspect="1" noChangeArrowheads="1"/>
           </p:cNvPicPr>
@@ -4936,20 +4795,27 @@
         </p:nvPicPr>
         <p:blipFill>
           <a:blip r:embed="rId2"/>
-          <a:srcRect l="10000" t="5000" r="47500" b="48333"/>
+          <a:srcRect l="20000" t="19048" r="38571" b="11905"/>
           <a:stretch>
             <a:fillRect/>
           </a:stretch>
         </p:blipFill>
         <p:spPr bwMode="auto">
           <a:xfrm>
-            <a:off x="1981199" y="1371600"/>
-            <a:ext cx="4996543" cy="4114800"/>
+            <a:off x="1143000" y="1143000"/>
+            <a:ext cx="5562600" cy="5562600"/>
           </a:xfrm>
           <a:prstGeom prst="rect">
             <a:avLst/>
           </a:prstGeom>
           <a:noFill/>
+          <a:ln w="9525">
+            <a:noFill/>
+            <a:miter lim="800000"/>
+            <a:headEnd/>
+            <a:tailEnd/>
+          </a:ln>
+          <a:effectLst/>
         </p:spPr>
       </p:pic>
     </p:spTree>
@@ -4994,19 +4860,14 @@
             <p:ph type="title"/>
           </p:nvPr>
         </p:nvSpPr>
-        <p:spPr>
-          <a:xfrm>
-            <a:off x="457200" y="267494"/>
-            <a:ext cx="8229600" cy="875506"/>
-          </a:xfrm>
-        </p:spPr>
+        <p:spPr/>
         <p:txBody>
           <a:bodyPr/>
           <a:lstStyle/>
           <a:p>
             <a:r>
               <a:rPr lang="en-US" dirty="0" smtClean="0"/>
-              <a:t>Form register</a:t>
+              <a:t>Form Input Data</a:t>
             </a:r>
             <a:endParaRPr lang="en-US" dirty="0"/>
           </a:p>
@@ -5014,7 +4875,7 @@
       </p:sp>
       <p:pic>
         <p:nvPicPr>
-          <p:cNvPr id="5122" name="Picture 2" descr="H:\pemrog3\Register.png"/>
+          <p:cNvPr id="6146" name="Picture 2"/>
           <p:cNvPicPr>
             <a:picLocks noGrp="1" noChangeAspect="1" noChangeArrowheads="1"/>
           </p:cNvPicPr>
@@ -5024,20 +4885,27 @@
         </p:nvPicPr>
         <p:blipFill>
           <a:blip r:embed="rId2"/>
-          <a:srcRect l="3904" t="8994" r="51124" b="31043"/>
+          <a:srcRect l="20211" t="18819" r="40391" b="9514"/>
           <a:stretch>
             <a:fillRect/>
           </a:stretch>
         </p:blipFill>
         <p:spPr bwMode="auto">
           <a:xfrm>
-            <a:off x="1905000" y="1295400"/>
-            <a:ext cx="5105400" cy="5105400"/>
+            <a:off x="1066800" y="1447799"/>
+            <a:ext cx="4648200" cy="4874941"/>
           </a:xfrm>
           <a:prstGeom prst="rect">
             <a:avLst/>
           </a:prstGeom>
           <a:noFill/>
+          <a:ln w="9525">
+            <a:noFill/>
+            <a:miter lim="800000"/>
+            <a:headEnd/>
+            <a:tailEnd/>
+          </a:ln>
+          <a:effectLst/>
         </p:spPr>
       </p:pic>
     </p:spTree>
@@ -5045,13 +4913,6 @@
   <p:clrMapOvr>
     <a:masterClrMapping/>
   </p:clrMapOvr>
-  <p:timing>
-    <p:tnLst>
-      <p:par>
-        <p:cTn id="1" dur="indefinite" restart="never" nodeType="tmRoot"/>
-      </p:par>
-    </p:tnLst>
-  </p:timing>
 </p:sld>
 </file>
 
@@ -5082,19 +4943,22 @@
             <p:ph type="title"/>
           </p:nvPr>
         </p:nvSpPr>
-        <p:spPr>
-          <a:xfrm>
-            <a:off x="457200" y="267494"/>
-            <a:ext cx="8229600" cy="1027906"/>
-          </a:xfrm>
-        </p:spPr>
+        <p:spPr/>
         <p:txBody>
           <a:bodyPr/>
           <a:lstStyle/>
           <a:p>
             <a:r>
+              <a:rPr lang="en-US" dirty="0" err="1" smtClean="0"/>
+              <a:t>Tabel</a:t>
+            </a:r>
+            <a:r>
               <a:rPr lang="en-US" dirty="0" smtClean="0"/>
-              <a:t>Form edit</a:t>
+              <a:t> </a:t>
+            </a:r>
+            <a:r>
+              <a:rPr lang="en-US" dirty="0" err="1" smtClean="0"/>
+              <a:t>peserta</a:t>
             </a:r>
             <a:endParaRPr lang="en-US" dirty="0"/>
           </a:p>
@@ -5102,7 +4966,7 @@
       </p:sp>
       <p:pic>
         <p:nvPicPr>
-          <p:cNvPr id="6146" name="Picture 2" descr="H:\pemrog3\form edit.png"/>
+          <p:cNvPr id="5122" name="Picture 2"/>
           <p:cNvPicPr>
             <a:picLocks noGrp="1" noChangeAspect="1" noChangeArrowheads="1"/>
           </p:cNvPicPr>
@@ -5112,20 +4976,27 @@
         </p:nvPicPr>
         <p:blipFill>
           <a:blip r:embed="rId2"/>
-          <a:srcRect l="5485" t="4566" r="44293" b="29994"/>
+          <a:srcRect l="20211" t="18819" r="16367" b="29514"/>
           <a:stretch>
             <a:fillRect/>
           </a:stretch>
         </p:blipFill>
         <p:spPr bwMode="auto">
           <a:xfrm>
-            <a:off x="1905000" y="1447800"/>
-            <a:ext cx="5105400" cy="4989368"/>
+            <a:off x="609599" y="1676400"/>
+            <a:ext cx="8273845" cy="3886200"/>
           </a:xfrm>
           <a:prstGeom prst="rect">
             <a:avLst/>
           </a:prstGeom>
           <a:noFill/>
+          <a:ln w="9525">
+            <a:noFill/>
+            <a:miter lim="800000"/>
+            <a:headEnd/>
+            <a:tailEnd/>
+          </a:ln>
+          <a:effectLst/>
         </p:spPr>
       </p:pic>
     </p:spTree>
